--- a/Unit 4 Dynamics/Day10 Friction/Kinetic And Static Friction.pptx
+++ b/Unit 4 Dynamics/Day10 Friction/Kinetic And Static Friction.pptx
@@ -219,7 +219,7 @@
             <a:fld id="{1B4A1391-B8D7-40F3-B247-C9A7306C5C38}" type="datetimeFigureOut">
               <a:rPr lang="en-US" smtClean="0"/>
               <a:pPr/>
-              <a:t>5/30/2018</a:t>
+              <a:t>12/5/2019</a:t>
             </a:fld>
             <a:endParaRPr lang="en-CA"/>
           </a:p>
@@ -672,7 +672,7 @@
             <a:fld id="{1D8BD707-D9CF-40AE-B4C6-C98DA3205C09}" type="datetimeFigureOut">
               <a:rPr lang="en-US" smtClean="0"/>
               <a:pPr/>
-              <a:t>5/30/2018</a:t>
+              <a:t>12/5/2019</a:t>
             </a:fld>
             <a:endParaRPr lang="en-US"/>
           </a:p>
@@ -839,7 +839,7 @@
             <a:fld id="{1D8BD707-D9CF-40AE-B4C6-C98DA3205C09}" type="datetimeFigureOut">
               <a:rPr lang="en-US" smtClean="0"/>
               <a:pPr/>
-              <a:t>5/30/2018</a:t>
+              <a:t>12/5/2019</a:t>
             </a:fld>
             <a:endParaRPr lang="en-US"/>
           </a:p>
@@ -1016,7 +1016,7 @@
             <a:fld id="{1D8BD707-D9CF-40AE-B4C6-C98DA3205C09}" type="datetimeFigureOut">
               <a:rPr lang="en-US" smtClean="0"/>
               <a:pPr/>
-              <a:t>5/30/2018</a:t>
+              <a:t>12/5/2019</a:t>
             </a:fld>
             <a:endParaRPr lang="en-US"/>
           </a:p>
@@ -1183,7 +1183,7 @@
             <a:fld id="{1D8BD707-D9CF-40AE-B4C6-C98DA3205C09}" type="datetimeFigureOut">
               <a:rPr lang="en-US" smtClean="0"/>
               <a:pPr/>
-              <a:t>5/30/2018</a:t>
+              <a:t>12/5/2019</a:t>
             </a:fld>
             <a:endParaRPr lang="en-US"/>
           </a:p>
@@ -1426,7 +1426,7 @@
             <a:fld id="{1D8BD707-D9CF-40AE-B4C6-C98DA3205C09}" type="datetimeFigureOut">
               <a:rPr lang="en-US" smtClean="0"/>
               <a:pPr/>
-              <a:t>5/30/2018</a:t>
+              <a:t>12/5/2019</a:t>
             </a:fld>
             <a:endParaRPr lang="en-US"/>
           </a:p>
@@ -1711,7 +1711,7 @@
             <a:fld id="{1D8BD707-D9CF-40AE-B4C6-C98DA3205C09}" type="datetimeFigureOut">
               <a:rPr lang="en-US" smtClean="0"/>
               <a:pPr/>
-              <a:t>5/30/2018</a:t>
+              <a:t>12/5/2019</a:t>
             </a:fld>
             <a:endParaRPr lang="en-US"/>
           </a:p>
@@ -2130,7 +2130,7 @@
             <a:fld id="{1D8BD707-D9CF-40AE-B4C6-C98DA3205C09}" type="datetimeFigureOut">
               <a:rPr lang="en-US" smtClean="0"/>
               <a:pPr/>
-              <a:t>5/30/2018</a:t>
+              <a:t>12/5/2019</a:t>
             </a:fld>
             <a:endParaRPr lang="en-US"/>
           </a:p>
@@ -2245,7 +2245,7 @@
             <a:fld id="{1D8BD707-D9CF-40AE-B4C6-C98DA3205C09}" type="datetimeFigureOut">
               <a:rPr lang="en-US" smtClean="0"/>
               <a:pPr/>
-              <a:t>5/30/2018</a:t>
+              <a:t>12/5/2019</a:t>
             </a:fld>
             <a:endParaRPr lang="en-US"/>
           </a:p>
@@ -2337,7 +2337,7 @@
             <a:fld id="{1D8BD707-D9CF-40AE-B4C6-C98DA3205C09}" type="datetimeFigureOut">
               <a:rPr lang="en-US" smtClean="0"/>
               <a:pPr/>
-              <a:t>5/30/2018</a:t>
+              <a:t>12/5/2019</a:t>
             </a:fld>
             <a:endParaRPr lang="en-US"/>
           </a:p>
@@ -2611,7 +2611,7 @@
             <a:fld id="{1D8BD707-D9CF-40AE-B4C6-C98DA3205C09}" type="datetimeFigureOut">
               <a:rPr lang="en-US" smtClean="0"/>
               <a:pPr/>
-              <a:t>5/30/2018</a:t>
+              <a:t>12/5/2019</a:t>
             </a:fld>
             <a:endParaRPr lang="en-US"/>
           </a:p>
@@ -2861,7 +2861,7 @@
             <a:fld id="{1D8BD707-D9CF-40AE-B4C6-C98DA3205C09}" type="datetimeFigureOut">
               <a:rPr lang="en-US" smtClean="0"/>
               <a:pPr/>
-              <a:t>5/30/2018</a:t>
+              <a:t>12/5/2019</a:t>
             </a:fld>
             <a:endParaRPr lang="en-US"/>
           </a:p>
@@ -3071,7 +3071,7 @@
             <a:fld id="{1D8BD707-D9CF-40AE-B4C6-C98DA3205C09}" type="datetimeFigureOut">
               <a:rPr lang="en-US" smtClean="0"/>
               <a:pPr/>
-              <a:t>5/30/2018</a:t>
+              <a:t>12/5/2019</a:t>
             </a:fld>
             <a:endParaRPr lang="en-US"/>
           </a:p>
@@ -4163,7 +4163,15 @@
             </a:r>
             <a:r>
               <a:rPr lang="en-CA" sz="2000" dirty="0" smtClean="0"/>
-              <a:t>= 545 N</a:t>
+              <a:t>= </a:t>
+            </a:r>
+            <a:r>
+              <a:rPr lang="en-CA" sz="2000" dirty="0" smtClean="0"/>
+              <a:t>5450 </a:t>
+            </a:r>
+            <a:r>
+              <a:rPr lang="en-CA" sz="2000" dirty="0" smtClean="0"/>
+              <a:t>N</a:t>
             </a:r>
           </a:p>
           <a:p>
@@ -4306,11 +4314,23 @@
             </a:r>
             <a:r>
               <a:rPr lang="en-CA" sz="2000" dirty="0" smtClean="0"/>
-              <a:t>= 88 / 545 </a:t>
+              <a:t>= 88 </a:t>
             </a:r>
             <a:r>
               <a:rPr lang="en-CA" sz="2000" smtClean="0"/>
-              <a:t>= 0.16</a:t>
+              <a:t>/ </a:t>
+            </a:r>
+            <a:r>
+              <a:rPr lang="en-CA" sz="2000" smtClean="0"/>
+              <a:t>5450 </a:t>
+            </a:r>
+            <a:r>
+              <a:rPr lang="en-CA" sz="2000" smtClean="0"/>
+              <a:t>= </a:t>
+            </a:r>
+            <a:r>
+              <a:rPr lang="en-CA" sz="2000" smtClean="0"/>
+              <a:t>0.016</a:t>
             </a:r>
             <a:endParaRPr lang="en-CA" sz="2000" dirty="0" smtClean="0"/>
           </a:p>
@@ -4567,6 +4587,13 @@
   <p:clrMapOvr>
     <a:masterClrMapping/>
   </p:clrMapOvr>
+  <p:timing>
+    <p:tnLst>
+      <p:par>
+        <p:cTn id="1" dur="indefinite" restart="never" nodeType="tmRoot"/>
+      </p:par>
+    </p:tnLst>
+  </p:timing>
 </p:sld>
 </file>
 
